--- a/Overview-of-web-vulnerabilities.pptx
+++ b/Overview-of-web-vulnerabilities.pptx
@@ -15558,10 +15558,10 @@
               <a:buNone/>
             </a:pPr>
             <a:r>
-              <a:rPr lang="en"/>
+              <a:rPr lang="en" sz="2900"/>
               <a:t>Спасибо за внимание</a:t>
             </a:r>
-            <a:endParaRPr/>
+            <a:endParaRPr sz="2900"/>
           </a:p>
         </p:txBody>
       </p:sp>
@@ -15575,8 +15575,8 @@
         </p:nvSpPr>
         <p:spPr>
           <a:xfrm>
-            <a:off x="1297500" y="2093050"/>
-            <a:ext cx="7038900" cy="2911200"/>
+            <a:off x="1078650" y="1673500"/>
+            <a:ext cx="7476600" cy="2911200"/>
           </a:xfrm>
           <a:prstGeom prst="rect">
             <a:avLst/>
@@ -15598,22 +15598,60 @@
               <a:buNone/>
             </a:pPr>
             <a:r>
-              <a:rPr lang="en" sz="1900" u="sng">
+              <a:rPr b="1" lang="en" sz="2000" u="sng">
                 <a:solidFill>
-                  <a:schemeClr val="hlink"/>
+                  <a:srgbClr val="9900FF"/>
                 </a:solidFill>
                 <a:latin typeface="Arial"/>
                 <a:ea typeface="Arial"/>
                 <a:cs typeface="Arial"/>
                 <a:sym typeface="Arial"/>
-                <a:hlinkClick r:id="rId3"/>
+                <a:hlinkClick r:id="rId3">
+                  <a:extLst>
+                    <a:ext uri="{A12FA001-AC4F-418D-AE19-62706E023703}">
+                      <ahyp:hlinkClr val="tx"/>
+                    </a:ext>
+                  </a:extLst>
+                </a:hlinkClick>
               </a:rPr>
               <a:t>https://github.com/JaysesS/Overview-of-web-vulnerabilities</a:t>
             </a:r>
-            <a:endParaRPr sz="2100"/>
+            <a:endParaRPr b="1" sz="2200">
+              <a:solidFill>
+                <a:srgbClr val="9900FF"/>
+              </a:solidFill>
+            </a:endParaRPr>
           </a:p>
         </p:txBody>
       </p:sp>
+      <p:pic>
+        <p:nvPicPr>
+          <p:cNvPr id="315" name="Google Shape;315;p41"/>
+          <p:cNvPicPr preferRelativeResize="0"/>
+          <p:nvPr/>
+        </p:nvPicPr>
+        <p:blipFill>
+          <a:blip r:embed="rId4">
+            <a:alphaModFix/>
+          </a:blip>
+          <a:stretch>
+            <a:fillRect/>
+          </a:stretch>
+        </p:blipFill>
+        <p:spPr>
+          <a:xfrm>
+            <a:off x="3718163" y="2505375"/>
+            <a:ext cx="2022419" cy="2701825"/>
+          </a:xfrm>
+          <a:prstGeom prst="rect">
+            <a:avLst/>
+          </a:prstGeom>
+          <a:noFill/>
+          <a:ln>
+            <a:noFill/>
+          </a:ln>
+        </p:spPr>
+      </p:pic>
     </p:spTree>
   </p:cSld>
   <p:clrMapOvr>
